--- a/Documentacao/Loca Car.pptx
+++ b/Documentacao/Loca Car.pptx
@@ -5,10 +5,10 @@
     <p:sldMasterId id="2147483746" r:id="rId1"/>
   </p:sldMasterIdLst>
   <p:notesMasterIdLst>
-    <p:notesMasterId r:id="rId8"/>
+    <p:notesMasterId r:id="rId9"/>
   </p:notesMasterIdLst>
   <p:handoutMasterIdLst>
-    <p:handoutMasterId r:id="rId9"/>
+    <p:handoutMasterId r:id="rId10"/>
   </p:handoutMasterIdLst>
   <p:sldIdLst>
     <p:sldId id="257" r:id="rId2"/>
@@ -17,6 +17,7 @@
     <p:sldId id="260" r:id="rId5"/>
     <p:sldId id="261" r:id="rId6"/>
     <p:sldId id="262" r:id="rId7"/>
+    <p:sldId id="264" r:id="rId8"/>
   </p:sldIdLst>
   <p:sldSz cx="12192000" cy="6858000"/>
   <p:notesSz cx="6858000" cy="9144000"/>
@@ -210,7 +211,7 @@
             <a:pPr rtl="0"/>
             <a:fld id="{5C3E0910-793C-46A0-8623-CEAD4857882F}" type="datetime1">
               <a:rPr lang="pt-BR" smtClean="0"/>
-              <a:t>29/05/2022</a:t>
+              <a:t>11/08/2022</a:t>
             </a:fld>
             <a:endParaRPr lang="en-US" dirty="0"/>
           </a:p>
@@ -380,7 +381,7 @@
             <a:pPr rtl="0"/>
             <a:fld id="{49EE704A-765A-48C7-8594-25B15929F837}" type="datetime1">
               <a:rPr lang="pt-BR" smtClean="0"/>
-              <a:t>29/05/2022</a:t>
+              <a:t>11/08/2022</a:t>
             </a:fld>
             <a:endParaRPr lang="en-US"/>
           </a:p>
@@ -900,7 +901,7 @@
             <a:pPr rtl="0"/>
             <a:fld id="{3E92B5B4-4D0A-4964-A1A3-B85B0EE00890}" type="datetime1">
               <a:rPr lang="pt-BR" smtClean="0"/>
-              <a:t>29/05/2022</a:t>
+              <a:t>11/08/2022</a:t>
             </a:fld>
             <a:endParaRPr lang="en-US" dirty="0"/>
           </a:p>
@@ -1096,7 +1097,7 @@
             <a:pPr rtl="0"/>
             <a:fld id="{32E1A5F9-C71D-4DE8-8BF4-9F6FC06A94B8}" type="datetime1">
               <a:rPr lang="pt-BR" smtClean="0"/>
-              <a:t>29/05/2022</a:t>
+              <a:t>11/08/2022</a:t>
             </a:fld>
             <a:endParaRPr lang="en-US" dirty="0"/>
           </a:p>
@@ -1346,7 +1347,7 @@
             <a:pPr rtl="0"/>
             <a:fld id="{421DCD7D-5BFD-485D-AED5-B62EAACA4CB6}" type="datetime1">
               <a:rPr lang="pt-BR" smtClean="0"/>
-              <a:t>29/05/2022</a:t>
+              <a:t>11/08/2022</a:t>
             </a:fld>
             <a:endParaRPr lang="en-US" dirty="0"/>
           </a:p>
@@ -1542,7 +1543,7 @@
             <a:pPr rtl="0"/>
             <a:fld id="{623252B5-F3E6-4058-A723-196087E9E541}" type="datetime1">
               <a:rPr lang="pt-BR" smtClean="0"/>
-              <a:t>29/05/2022</a:t>
+              <a:t>11/08/2022</a:t>
             </a:fld>
             <a:endParaRPr lang="en-US" dirty="0"/>
           </a:p>
@@ -1919,7 +1920,7 @@
             <a:pPr rtl="0"/>
             <a:fld id="{1A251DFA-97D2-4C90-9100-D1173CC96C37}" type="datetime1">
               <a:rPr lang="pt-BR" smtClean="0"/>
-              <a:t>29/05/2022</a:t>
+              <a:t>11/08/2022</a:t>
             </a:fld>
             <a:endParaRPr lang="en-US" dirty="0"/>
           </a:p>
@@ -2178,7 +2179,7 @@
             <a:pPr rtl="0"/>
             <a:fld id="{7651B26C-F0DB-4889-B6A3-FE07E152272F}" type="datetime1">
               <a:rPr lang="pt-BR" smtClean="0"/>
-              <a:t>29/05/2022</a:t>
+              <a:t>11/08/2022</a:t>
             </a:fld>
             <a:endParaRPr lang="en-US" dirty="0"/>
           </a:p>
@@ -2583,7 +2584,7 @@
             <a:pPr rtl="0"/>
             <a:fld id="{DB0565EE-A4B5-4AB4-9432-D16ECAE9EF1F}" type="datetime1">
               <a:rPr lang="pt-BR" smtClean="0"/>
-              <a:t>29/05/2022</a:t>
+              <a:t>11/08/2022</a:t>
             </a:fld>
             <a:endParaRPr lang="en-US" dirty="0"/>
           </a:p>
@@ -2723,7 +2724,7 @@
             <a:pPr rtl="0"/>
             <a:fld id="{FC470C2D-02C8-4A1B-A79F-498A53DD951F}" type="datetime1">
               <a:rPr lang="pt-BR" smtClean="0"/>
-              <a:t>29/05/2022</a:t>
+              <a:t>11/08/2022</a:t>
             </a:fld>
             <a:endParaRPr lang="en-US" dirty="0"/>
           </a:p>
@@ -2883,7 +2884,7 @@
             <a:pPr rtl="0"/>
             <a:fld id="{9094EF83-1835-4C7A-B4B2-F0B720F5AC0B}" type="datetime1">
               <a:rPr lang="pt-BR" smtClean="0"/>
-              <a:t>29/05/2022</a:t>
+              <a:t>11/08/2022</a:t>
             </a:fld>
             <a:endParaRPr lang="en-US" dirty="0"/>
           </a:p>
@@ -3216,7 +3217,7 @@
             <a:pPr rtl="0"/>
             <a:fld id="{6F5D5688-1774-4625-9E74-88EA94DB2550}" type="datetime1">
               <a:rPr lang="pt-BR" smtClean="0"/>
-              <a:t>29/05/2022</a:t>
+              <a:t>11/08/2022</a:t>
             </a:fld>
             <a:endParaRPr lang="en-US" dirty="0"/>
           </a:p>
@@ -3571,7 +3572,7 @@
             <a:pPr rtl="0"/>
             <a:fld id="{3D5E4E1C-696A-4E82-B6DD-87ECA4CC925A}" type="datetime1">
               <a:rPr lang="pt-BR" smtClean="0"/>
-              <a:t>29/05/2022</a:t>
+              <a:t>11/08/2022</a:t>
             </a:fld>
             <a:endParaRPr lang="en-US" dirty="0"/>
           </a:p>
@@ -3835,7 +3836,7 @@
             <a:pPr rtl="0"/>
             <a:fld id="{66BA6665-D630-4C43-9989-3D086DA68E5F}" type="datetime1">
               <a:rPr lang="pt-BR" smtClean="0"/>
-              <a:t>29/05/2022</a:t>
+              <a:t>11/08/2022</a:t>
             </a:fld>
             <a:endParaRPr lang="en-US" dirty="0"/>
           </a:p>
@@ -6214,32 +6215,28 @@
           <a:p>
             <a:pPr lvl="0" rtl="0"/>
             <a:r>
+              <a:rPr lang="en-US" sz="3600" i="1" dirty="0" err="1">
+                <a:solidFill>
+                  <a:srgbClr val="FFFFFF"/>
+                </a:solidFill>
+              </a:rPr>
+              <a:t>Sobre</a:t>
+            </a:r>
+            <a:r>
               <a:rPr lang="en-US" sz="3600" i="1" dirty="0">
                 <a:solidFill>
                   <a:srgbClr val="FFFFFF"/>
                 </a:solidFill>
               </a:rPr>
-              <a:t>Figma:</a:t>
-            </a:r>
-            <a:r>
-              <a:rPr lang="en-US" sz="4800" i="1" dirty="0">
+              <a:t> o </a:t>
+            </a:r>
+            <a:r>
+              <a:rPr lang="en-US" sz="3600" i="1" dirty="0" err="1">
                 <a:solidFill>
                   <a:srgbClr val="FFFFFF"/>
                 </a:solidFill>
               </a:rPr>
-              <a:t> </a:t>
-            </a:r>
-            <a:r>
-              <a:rPr lang="pt-BR" sz="2800" u="sng" dirty="0">
-                <a:solidFill>
-                  <a:srgbClr val="0000FF"/>
-                </a:solidFill>
-                <a:effectLst/>
-                <a:latin typeface="Arial" panose="020B0604020202020204" pitchFamily="34" charset="0"/>
-                <a:ea typeface="Times New Roman" panose="02020603050405020304" pitchFamily="18" charset="0"/>
-                <a:hlinkClick r:id="rId2"/>
-              </a:rPr>
-              <a:t>https://www.figma.com/file/0xSnft04Z6K80pi5OgB54q/LocaCar-Tcc</a:t>
+              <a:t>Projeto</a:t>
             </a:r>
             <a:endParaRPr lang="pt-br" sz="4800" i="1" dirty="0">
               <a:solidFill>
@@ -6361,6 +6358,145 @@
     <p:extLst>
       <p:ext uri="{BB962C8B-B14F-4D97-AF65-F5344CB8AC3E}">
         <p14:creationId xmlns:p14="http://schemas.microsoft.com/office/powerpoint/2010/main" val="3794799721"/>
+      </p:ext>
+    </p:extLst>
+  </p:cSld>
+  <p:clrMapOvr>
+    <a:masterClrMapping/>
+  </p:clrMapOvr>
+</p:sld>
+</file>
+
+<file path=ppt/slides/slide7.xml><?xml version="1.0" encoding="utf-8"?>
+<p:sld xmlns:a="http://schemas.openxmlformats.org/drawingml/2006/main" xmlns:r="http://schemas.openxmlformats.org/officeDocument/2006/relationships" xmlns:p="http://schemas.openxmlformats.org/presentationml/2006/main">
+  <p:cSld>
+    <p:bg>
+      <p:bgPr>
+        <a:solidFill>
+          <a:schemeClr val="tx2">
+            <a:lumMod val="40000"/>
+            <a:lumOff val="60000"/>
+          </a:schemeClr>
+        </a:solidFill>
+        <a:effectLst/>
+      </p:bgPr>
+    </p:bg>
+    <p:spTree>
+      <p:nvGrpSpPr>
+        <p:cNvPr id="1" name=""/>
+        <p:cNvGrpSpPr/>
+        <p:nvPr/>
+      </p:nvGrpSpPr>
+      <p:grpSpPr>
+        <a:xfrm>
+          <a:off x="0" y="0"/>
+          <a:ext cx="0" cy="0"/>
+          <a:chOff x="0" y="0"/>
+          <a:chExt cx="0" cy="0"/>
+        </a:xfrm>
+      </p:grpSpPr>
+      <p:sp>
+        <p:nvSpPr>
+          <p:cNvPr id="2" name="Título 1">
+            <a:extLst>
+              <a:ext uri="{FF2B5EF4-FFF2-40B4-BE49-F238E27FC236}">
+                <a16:creationId xmlns:a16="http://schemas.microsoft.com/office/drawing/2014/main" id="{9AB2EA78-AEB3-469B-9025-3B17201A457B}"/>
+              </a:ext>
+            </a:extLst>
+          </p:cNvPr>
+          <p:cNvSpPr>
+            <a:spLocks noGrp="1"/>
+          </p:cNvSpPr>
+          <p:nvPr>
+            <p:ph type="ctrTitle"/>
+          </p:nvPr>
+        </p:nvSpPr>
+        <p:spPr>
+          <a:xfrm>
+            <a:off x="1097280" y="758952"/>
+            <a:ext cx="10058400" cy="3892168"/>
+          </a:xfrm>
+        </p:spPr>
+        <p:txBody>
+          <a:bodyPr rtlCol="0" anchor="ctr">
+            <a:normAutofit/>
+          </a:bodyPr>
+          <a:lstStyle/>
+          <a:p>
+            <a:pPr lvl="0" rtl="0"/>
+            <a:r>
+              <a:rPr lang="en-US" sz="3600" i="1" dirty="0" err="1">
+                <a:solidFill>
+                  <a:srgbClr val="FFFFFF"/>
+                </a:solidFill>
+              </a:rPr>
+              <a:t>Obrigado</a:t>
+            </a:r>
+            <a:r>
+              <a:rPr lang="en-US" sz="3600" i="1" dirty="0">
+                <a:solidFill>
+                  <a:srgbClr val="FFFFFF"/>
+                </a:solidFill>
+              </a:rPr>
+              <a:t>!</a:t>
+            </a:r>
+            <a:endParaRPr lang="pt-br" sz="4800" i="1" dirty="0">
+              <a:solidFill>
+                <a:srgbClr val="FFFFFF"/>
+              </a:solidFill>
+            </a:endParaRPr>
+          </a:p>
+        </p:txBody>
+      </p:sp>
+      <p:sp>
+        <p:nvSpPr>
+          <p:cNvPr id="3" name="Subtítulo 2">
+            <a:extLst>
+              <a:ext uri="{FF2B5EF4-FFF2-40B4-BE49-F238E27FC236}">
+                <a16:creationId xmlns:a16="http://schemas.microsoft.com/office/drawing/2014/main" id="{255E1F2F-E259-4EA8-9FFD-3A10AF541859}"/>
+              </a:ext>
+            </a:extLst>
+          </p:cNvPr>
+          <p:cNvSpPr>
+            <a:spLocks noGrp="1"/>
+          </p:cNvSpPr>
+          <p:nvPr>
+            <p:ph type="subTitle" idx="1"/>
+          </p:nvPr>
+        </p:nvSpPr>
+        <p:spPr>
+          <a:xfrm>
+            <a:off x="1100051" y="5225240"/>
+            <a:ext cx="10058400" cy="1143000"/>
+          </a:xfrm>
+        </p:spPr>
+        <p:txBody>
+          <a:bodyPr rtlCol="0">
+            <a:normAutofit/>
+          </a:bodyPr>
+          <a:lstStyle/>
+          <a:p>
+            <a:pPr rtl="0"/>
+            <a:endParaRPr lang="en-US" dirty="0">
+              <a:solidFill>
+                <a:srgbClr val="FFFFFF"/>
+              </a:solidFill>
+            </a:endParaRPr>
+          </a:p>
+          <a:p>
+            <a:pPr rtl="0"/>
+            <a:endParaRPr lang="pt-br" dirty="0">
+              <a:solidFill>
+                <a:srgbClr val="FFFFFF"/>
+              </a:solidFill>
+            </a:endParaRPr>
+          </a:p>
+        </p:txBody>
+      </p:sp>
+    </p:spTree>
+    <p:extLst>
+      <p:ext uri="{BB962C8B-B14F-4D97-AF65-F5344CB8AC3E}">
+        <p14:creationId xmlns:p14="http://schemas.microsoft.com/office/powerpoint/2010/main" val="2983783512"/>
       </p:ext>
     </p:extLst>
   </p:cSld>
